--- a/Ctrl+Alt+Diffuse.pptx
+++ b/Ctrl+Alt+Diffuse.pptx
@@ -9107,7 +9107,7 @@
             <a:prstTxWarp prst="textNoShape">
               <a:avLst/>
             </a:prstTxWarp>
-            <a:normAutofit/>
+            <a:normAutofit fontScale="92500" lnSpcReduction="10000"/>
           </a:bodyPr>
           <a:lstStyle/>
           <a:p>
@@ -9163,6 +9163,100 @@
               </a:rPr>
               <a:t>DDIM gyorsabb és hatékonyabb, egyszerűbb implementációval is kiváló eredményeket ért el.</a:t>
             </a:r>
+          </a:p>
+          <a:p>
+            <a:pPr marL="457200" lvl="1" indent="0" eaLnBrk="0" fontAlgn="base" hangingPunct="0">
+              <a:spcBef>
+                <a:spcPct val="0"/>
+              </a:spcBef>
+              <a:spcAft>
+                <a:spcPts val="600"/>
+              </a:spcAft>
+              <a:buFontTx/>
+              <a:buChar char="•"/>
+            </a:pPr>
+            <a:r>
+              <a:rPr kumimoji="0" lang="hu-HU" altLang="hu-HU" sz="2000" b="0" i="0" u="none" strike="noStrike" cap="none" normalizeH="0" baseline="0" dirty="0">
+                <a:ln>
+                  <a:noFill/>
+                </a:ln>
+                <a:effectLst/>
+                <a:latin typeface="Arial" panose="020B0604020202020204" pitchFamily="34" charset="0"/>
+              </a:rPr>
+              <a:t>26.64 </a:t>
+            </a:r>
+            <a:r>
+              <a:rPr kumimoji="0" lang="hu-HU" altLang="hu-HU" sz="2000" b="0" i="0" u="none" strike="noStrike" cap="none" normalizeH="0" baseline="0" dirty="0" err="1">
+                <a:ln>
+                  <a:noFill/>
+                </a:ln>
+                <a:effectLst/>
+                <a:latin typeface="Arial" panose="020B0604020202020204" pitchFamily="34" charset="0"/>
+              </a:rPr>
+              <a:t>val_psnr</a:t>
+            </a:r>
+            <a:r>
+              <a:rPr kumimoji="0" lang="hu-HU" altLang="hu-HU" sz="2000" b="0" i="0" u="none" strike="noStrike" cap="none" normalizeH="0" baseline="0" dirty="0">
+                <a:ln>
+                  <a:noFill/>
+                </a:ln>
+                <a:effectLst/>
+                <a:latin typeface="Arial" panose="020B0604020202020204" pitchFamily="34" charset="0"/>
+              </a:rPr>
+              <a:t> és 0.35 </a:t>
+            </a:r>
+            <a:r>
+              <a:rPr kumimoji="0" lang="hu-HU" altLang="hu-HU" sz="2000" b="0" i="0" u="none" strike="noStrike" cap="none" normalizeH="0" baseline="0" err="1">
+                <a:ln>
+                  <a:noFill/>
+                </a:ln>
+                <a:effectLst/>
+                <a:latin typeface="Arial" panose="020B0604020202020204" pitchFamily="34" charset="0"/>
+              </a:rPr>
+              <a:t>val</a:t>
+            </a:r>
+            <a:r>
+              <a:rPr kumimoji="0" lang="hu-HU" altLang="hu-HU" sz="2000" b="0" i="0" u="none" strike="noStrike" cap="none" normalizeH="0" baseline="0">
+                <a:ln>
+                  <a:noFill/>
+                </a:ln>
+                <a:effectLst/>
+                <a:latin typeface="Arial" panose="020B0604020202020204" pitchFamily="34" charset="0"/>
+              </a:rPr>
+              <a:t>_ssim</a:t>
+            </a:r>
+            <a:endParaRPr kumimoji="0" lang="hu-HU" altLang="hu-HU" sz="2000" b="0" i="0" u="none" strike="noStrike" cap="none" normalizeH="0" baseline="0" dirty="0">
+              <a:ln>
+                <a:noFill/>
+              </a:ln>
+              <a:effectLst/>
+              <a:latin typeface="Arial" panose="020B0604020202020204" pitchFamily="34" charset="0"/>
+            </a:endParaRPr>
+          </a:p>
+          <a:p>
+            <a:pPr marL="457200" lvl="1" indent="0" eaLnBrk="0" fontAlgn="base" hangingPunct="0">
+              <a:spcBef>
+                <a:spcPct val="0"/>
+              </a:spcBef>
+              <a:spcAft>
+                <a:spcPts val="600"/>
+              </a:spcAft>
+              <a:buFontTx/>
+              <a:buChar char="•"/>
+            </a:pPr>
+            <a:r>
+              <a:rPr lang="hu-HU" altLang="hu-HU" sz="2000" dirty="0">
+                <a:latin typeface="Arial" panose="020B0604020202020204" pitchFamily="34" charset="0"/>
+              </a:rPr>
+              <a:t>1200ms generálás</a:t>
+            </a:r>
+            <a:endParaRPr kumimoji="0" lang="hu-HU" altLang="hu-HU" sz="2000" b="0" i="0" u="none" strike="noStrike" cap="none" normalizeH="0" baseline="0" dirty="0">
+              <a:ln>
+                <a:noFill/>
+              </a:ln>
+              <a:effectLst/>
+              <a:latin typeface="Arial" panose="020B0604020202020204" pitchFamily="34" charset="0"/>
+            </a:endParaRPr>
           </a:p>
           <a:p>
             <a:pPr marL="0" marR="0" lvl="0" indent="0" defTabSz="914400" rtl="0" eaLnBrk="0" fontAlgn="base" latinLnBrk="0" hangingPunct="0">
@@ -9358,10 +9452,10 @@
       </p:sp>
       <p:pic>
         <p:nvPicPr>
-          <p:cNvPr id="8" name="Kép 7">
-            <a:extLst>
-              <a:ext uri="{FF2B5EF4-FFF2-40B4-BE49-F238E27FC236}">
-                <a16:creationId xmlns:a16="http://schemas.microsoft.com/office/drawing/2014/main" id="{62D2E3B0-DAC8-D4E5-E10F-56D8841982B4}"/>
+          <p:cNvPr id="5" name="Kép 4">
+            <a:extLst>
+              <a:ext uri="{FF2B5EF4-FFF2-40B4-BE49-F238E27FC236}">
+                <a16:creationId xmlns:a16="http://schemas.microsoft.com/office/drawing/2014/main" id="{EF108000-6C9A-A35C-3460-1589CEA98D78}"/>
               </a:ext>
             </a:extLst>
           </p:cNvPr>
@@ -9378,8 +9472,8 @@
         </p:blipFill>
         <p:spPr>
           <a:xfrm>
-            <a:off x="6733856" y="1813146"/>
-            <a:ext cx="3367605" cy="3429969"/>
+            <a:off x="4859665" y="5429511"/>
+            <a:ext cx="7115986" cy="1242092"/>
           </a:xfrm>
           <a:prstGeom prst="rect">
             <a:avLst/>
@@ -9388,10 +9482,10 @@
       </p:pic>
       <p:pic>
         <p:nvPicPr>
-          <p:cNvPr id="5" name="Kép 4">
-            <a:extLst>
-              <a:ext uri="{FF2B5EF4-FFF2-40B4-BE49-F238E27FC236}">
-                <a16:creationId xmlns:a16="http://schemas.microsoft.com/office/drawing/2014/main" id="{EF108000-6C9A-A35C-3460-1589CEA98D78}"/>
+          <p:cNvPr id="7" name="Kép 6">
+            <a:extLst>
+              <a:ext uri="{FF2B5EF4-FFF2-40B4-BE49-F238E27FC236}">
+                <a16:creationId xmlns:a16="http://schemas.microsoft.com/office/drawing/2014/main" id="{194EE5CD-229A-8645-A6BB-3972D01D474A}"/>
               </a:ext>
             </a:extLst>
           </p:cNvPr>
@@ -9408,8 +9502,38 @@
         </p:blipFill>
         <p:spPr>
           <a:xfrm>
-            <a:off x="4859665" y="5429511"/>
-            <a:ext cx="7115986" cy="1242092"/>
+            <a:off x="6336154" y="2516753"/>
+            <a:ext cx="3677163" cy="2876951"/>
+          </a:xfrm>
+          <a:prstGeom prst="rect">
+            <a:avLst/>
+          </a:prstGeom>
+        </p:spPr>
+      </p:pic>
+      <p:pic>
+        <p:nvPicPr>
+          <p:cNvPr id="12" name="Kép 11">
+            <a:extLst>
+              <a:ext uri="{FF2B5EF4-FFF2-40B4-BE49-F238E27FC236}">
+                <a16:creationId xmlns:a16="http://schemas.microsoft.com/office/drawing/2014/main" id="{877F7CB4-F42D-C025-A49E-39384BC2A06C}"/>
+              </a:ext>
+            </a:extLst>
+          </p:cNvPr>
+          <p:cNvPicPr>
+            <a:picLocks noChangeAspect="1"/>
+          </p:cNvPicPr>
+          <p:nvPr/>
+        </p:nvPicPr>
+        <p:blipFill>
+          <a:blip r:embed="rId4"/>
+          <a:stretch>
+            <a:fillRect/>
+          </a:stretch>
+        </p:blipFill>
+        <p:spPr>
+          <a:xfrm>
+            <a:off x="8458452" y="-5705"/>
+            <a:ext cx="3676231" cy="2886378"/>
           </a:xfrm>
           <a:prstGeom prst="rect">
             <a:avLst/>
